--- a/Chapter7/Figures/Fig5.pptx
+++ b/Chapter7/Figures/Fig5.pptx
@@ -7,7 +7,7 @@
   <p:sldIdLst>
     <p:sldId id="256" r:id="rId2"/>
   </p:sldIdLst>
-  <p:sldSz cx="8280400" cy="8280400"/>
+  <p:sldSz cx="10801350" cy="8280400"/>
   <p:notesSz cx="6858000" cy="9144000"/>
   <p:defaultTextStyle>
     <a:defPPr>
@@ -136,8 +136,8 @@
         </p:nvSpPr>
         <p:spPr>
           <a:xfrm>
-            <a:off x="621031" y="2572293"/>
-            <a:ext cx="7038339" cy="1774919"/>
+            <a:off x="810104" y="2572295"/>
+            <a:ext cx="9181146" cy="1774919"/>
           </a:xfrm>
         </p:spPr>
         <p:txBody>
@@ -164,8 +164,8 @@
         </p:nvSpPr>
         <p:spPr>
           <a:xfrm>
-            <a:off x="1242060" y="4692227"/>
-            <a:ext cx="5796281" cy="2116102"/>
+            <a:off x="1620203" y="4692227"/>
+            <a:ext cx="7560947" cy="2116102"/>
           </a:xfrm>
         </p:spPr>
         <p:txBody>
@@ -288,7 +288,7 @@
           <a:p>
             <a:fld id="{55E195D8-5BD3-41F4-8BBE-6CE1450937EA}" type="datetimeFigureOut">
               <a:rPr lang="en-GB" smtClean="0"/>
-              <a:t>04/06/2014</a:t>
+              <a:t>30/06/2014</a:t>
             </a:fld>
             <a:endParaRPr lang="en-GB"/>
           </a:p>
@@ -458,7 +458,7 @@
           <a:p>
             <a:fld id="{55E195D8-5BD3-41F4-8BBE-6CE1450937EA}" type="datetimeFigureOut">
               <a:rPr lang="en-GB" smtClean="0"/>
-              <a:t>04/06/2014</a:t>
+              <a:t>30/06/2014</a:t>
             </a:fld>
             <a:endParaRPr lang="en-GB"/>
           </a:p>
@@ -548,8 +548,8 @@
         </p:nvSpPr>
         <p:spPr>
           <a:xfrm>
-            <a:off x="6003291" y="331601"/>
-            <a:ext cx="1863090" cy="7065174"/>
+            <a:off x="7830981" y="331601"/>
+            <a:ext cx="2430304" cy="7065174"/>
           </a:xfrm>
         </p:spPr>
         <p:txBody>
@@ -576,8 +576,8 @@
         </p:nvSpPr>
         <p:spPr>
           <a:xfrm>
-            <a:off x="414020" y="331601"/>
-            <a:ext cx="5451264" cy="7065174"/>
+            <a:off x="540068" y="331601"/>
+            <a:ext cx="7110889" cy="7065174"/>
           </a:xfrm>
         </p:spPr>
         <p:txBody>
@@ -638,7 +638,7 @@
           <a:p>
             <a:fld id="{55E195D8-5BD3-41F4-8BBE-6CE1450937EA}" type="datetimeFigureOut">
               <a:rPr lang="en-GB" smtClean="0"/>
-              <a:t>04/06/2014</a:t>
+              <a:t>30/06/2014</a:t>
             </a:fld>
             <a:endParaRPr lang="en-GB"/>
           </a:p>
@@ -808,7 +808,7 @@
           <a:p>
             <a:fld id="{55E195D8-5BD3-41F4-8BBE-6CE1450937EA}" type="datetimeFigureOut">
               <a:rPr lang="en-GB" smtClean="0"/>
-              <a:t>04/06/2014</a:t>
+              <a:t>30/06/2014</a:t>
             </a:fld>
             <a:endParaRPr lang="en-GB"/>
           </a:p>
@@ -898,8 +898,8 @@
         </p:nvSpPr>
         <p:spPr>
           <a:xfrm>
-            <a:off x="654095" y="5320925"/>
-            <a:ext cx="7038339" cy="1644580"/>
+            <a:off x="853234" y="5320925"/>
+            <a:ext cx="9181146" cy="1644580"/>
           </a:xfrm>
         </p:spPr>
         <p:txBody>
@@ -930,8 +930,8 @@
         </p:nvSpPr>
         <p:spPr>
           <a:xfrm>
-            <a:off x="654095" y="3509589"/>
-            <a:ext cx="7038339" cy="1811337"/>
+            <a:off x="853234" y="3509591"/>
+            <a:ext cx="9181146" cy="1811337"/>
           </a:xfrm>
         </p:spPr>
         <p:txBody>
@@ -1054,7 +1054,7 @@
           <a:p>
             <a:fld id="{55E195D8-5BD3-41F4-8BBE-6CE1450937EA}" type="datetimeFigureOut">
               <a:rPr lang="en-GB" smtClean="0"/>
-              <a:t>04/06/2014</a:t>
+              <a:t>30/06/2014</a:t>
             </a:fld>
             <a:endParaRPr lang="en-GB"/>
           </a:p>
@@ -1167,8 +1167,8 @@
         </p:nvSpPr>
         <p:spPr>
           <a:xfrm>
-            <a:off x="414020" y="1932095"/>
-            <a:ext cx="3657177" cy="5464681"/>
+            <a:off x="540069" y="1932097"/>
+            <a:ext cx="4770596" cy="5464681"/>
           </a:xfrm>
         </p:spPr>
         <p:txBody>
@@ -1252,8 +1252,8 @@
         </p:nvSpPr>
         <p:spPr>
           <a:xfrm>
-            <a:off x="4209205" y="1932095"/>
-            <a:ext cx="3657177" cy="5464681"/>
+            <a:off x="5490690" y="1932097"/>
+            <a:ext cx="4770596" cy="5464681"/>
           </a:xfrm>
         </p:spPr>
         <p:txBody>
@@ -1342,7 +1342,7 @@
           <a:p>
             <a:fld id="{55E195D8-5BD3-41F4-8BBE-6CE1450937EA}" type="datetimeFigureOut">
               <a:rPr lang="en-GB" smtClean="0"/>
-              <a:t>04/06/2014</a:t>
+              <a:t>30/06/2014</a:t>
             </a:fld>
             <a:endParaRPr lang="en-GB"/>
           </a:p>
@@ -1459,8 +1459,8 @@
         </p:nvSpPr>
         <p:spPr>
           <a:xfrm>
-            <a:off x="414020" y="1853508"/>
-            <a:ext cx="3658615" cy="772453"/>
+            <a:off x="540068" y="1853510"/>
+            <a:ext cx="4772472" cy="772453"/>
           </a:xfrm>
         </p:spPr>
         <p:txBody>
@@ -1524,8 +1524,8 @@
         </p:nvSpPr>
         <p:spPr>
           <a:xfrm>
-            <a:off x="414020" y="2625961"/>
-            <a:ext cx="3658615" cy="4770815"/>
+            <a:off x="540068" y="2625963"/>
+            <a:ext cx="4772472" cy="4770815"/>
           </a:xfrm>
         </p:spPr>
         <p:txBody>
@@ -1609,8 +1609,8 @@
         </p:nvSpPr>
         <p:spPr>
           <a:xfrm>
-            <a:off x="4206329" y="1853508"/>
-            <a:ext cx="3660052" cy="772453"/>
+            <a:off x="5486938" y="1853510"/>
+            <a:ext cx="4774346" cy="772453"/>
           </a:xfrm>
         </p:spPr>
         <p:txBody>
@@ -1674,8 +1674,8 @@
         </p:nvSpPr>
         <p:spPr>
           <a:xfrm>
-            <a:off x="4206329" y="2625961"/>
-            <a:ext cx="3660052" cy="4770815"/>
+            <a:off x="5486938" y="2625963"/>
+            <a:ext cx="4774346" cy="4770815"/>
           </a:xfrm>
         </p:spPr>
         <p:txBody>
@@ -1764,7 +1764,7 @@
           <a:p>
             <a:fld id="{55E195D8-5BD3-41F4-8BBE-6CE1450937EA}" type="datetimeFigureOut">
               <a:rPr lang="en-GB" smtClean="0"/>
-              <a:t>04/06/2014</a:t>
+              <a:t>30/06/2014</a:t>
             </a:fld>
             <a:endParaRPr lang="en-GB"/>
           </a:p>
@@ -1882,7 +1882,7 @@
           <a:p>
             <a:fld id="{55E195D8-5BD3-41F4-8BBE-6CE1450937EA}" type="datetimeFigureOut">
               <a:rPr lang="en-GB" smtClean="0"/>
-              <a:t>04/06/2014</a:t>
+              <a:t>30/06/2014</a:t>
             </a:fld>
             <a:endParaRPr lang="en-GB"/>
           </a:p>
@@ -1977,7 +1977,7 @@
           <a:p>
             <a:fld id="{55E195D8-5BD3-41F4-8BBE-6CE1450937EA}" type="datetimeFigureOut">
               <a:rPr lang="en-GB" smtClean="0"/>
-              <a:t>04/06/2014</a:t>
+              <a:t>30/06/2014</a:t>
             </a:fld>
             <a:endParaRPr lang="en-GB"/>
           </a:p>
@@ -2067,8 +2067,8 @@
         </p:nvSpPr>
         <p:spPr>
           <a:xfrm>
-            <a:off x="414021" y="329684"/>
-            <a:ext cx="2724194" cy="1403067"/>
+            <a:off x="540068" y="329686"/>
+            <a:ext cx="3553570" cy="1403067"/>
           </a:xfrm>
         </p:spPr>
         <p:txBody>
@@ -2099,8 +2099,8 @@
         </p:nvSpPr>
         <p:spPr>
           <a:xfrm>
-            <a:off x="3237408" y="329684"/>
-            <a:ext cx="4628974" cy="7067092"/>
+            <a:off x="4223031" y="329684"/>
+            <a:ext cx="6038255" cy="7067092"/>
           </a:xfrm>
         </p:spPr>
         <p:txBody>
@@ -2184,8 +2184,8 @@
         </p:nvSpPr>
         <p:spPr>
           <a:xfrm>
-            <a:off x="414021" y="1732751"/>
-            <a:ext cx="2724194" cy="5664024"/>
+            <a:off x="540068" y="1732751"/>
+            <a:ext cx="3553570" cy="5664024"/>
           </a:xfrm>
         </p:spPr>
         <p:txBody>
@@ -2254,7 +2254,7 @@
           <a:p>
             <a:fld id="{55E195D8-5BD3-41F4-8BBE-6CE1450937EA}" type="datetimeFigureOut">
               <a:rPr lang="en-GB" smtClean="0"/>
-              <a:t>04/06/2014</a:t>
+              <a:t>30/06/2014</a:t>
             </a:fld>
             <a:endParaRPr lang="en-GB"/>
           </a:p>
@@ -2344,8 +2344,8 @@
         </p:nvSpPr>
         <p:spPr>
           <a:xfrm>
-            <a:off x="1623017" y="5796280"/>
-            <a:ext cx="4968240" cy="684284"/>
+            <a:off x="2117141" y="5796280"/>
+            <a:ext cx="6480810" cy="684284"/>
           </a:xfrm>
         </p:spPr>
         <p:txBody>
@@ -2376,8 +2376,8 @@
         </p:nvSpPr>
         <p:spPr>
           <a:xfrm>
-            <a:off x="1623017" y="739870"/>
-            <a:ext cx="4968240" cy="4968240"/>
+            <a:off x="2117141" y="739870"/>
+            <a:ext cx="6480810" cy="4968240"/>
           </a:xfrm>
         </p:spPr>
         <p:txBody>
@@ -2437,8 +2437,8 @@
         </p:nvSpPr>
         <p:spPr>
           <a:xfrm>
-            <a:off x="1623017" y="6480563"/>
-            <a:ext cx="4968240" cy="971796"/>
+            <a:off x="2117141" y="6480563"/>
+            <a:ext cx="6480810" cy="971796"/>
           </a:xfrm>
         </p:spPr>
         <p:txBody>
@@ -2507,7 +2507,7 @@
           <a:p>
             <a:fld id="{55E195D8-5BD3-41F4-8BBE-6CE1450937EA}" type="datetimeFigureOut">
               <a:rPr lang="en-GB" smtClean="0"/>
-              <a:t>04/06/2014</a:t>
+              <a:t>30/06/2014</a:t>
             </a:fld>
             <a:endParaRPr lang="en-GB"/>
           </a:p>
@@ -2602,8 +2602,8 @@
         </p:nvSpPr>
         <p:spPr>
           <a:xfrm>
-            <a:off x="414020" y="331601"/>
-            <a:ext cx="7452360" cy="1380067"/>
+            <a:off x="540068" y="331603"/>
+            <a:ext cx="9721216" cy="1380067"/>
           </a:xfrm>
           <a:prstGeom prst="rect">
             <a:avLst/>
@@ -2635,8 +2635,8 @@
         </p:nvSpPr>
         <p:spPr>
           <a:xfrm>
-            <a:off x="414020" y="1932095"/>
-            <a:ext cx="7452360" cy="5464681"/>
+            <a:off x="540068" y="1932097"/>
+            <a:ext cx="9721216" cy="5464681"/>
           </a:xfrm>
           <a:prstGeom prst="rect">
             <a:avLst/>
@@ -2697,8 +2697,8 @@
         </p:nvSpPr>
         <p:spPr>
           <a:xfrm>
-            <a:off x="414020" y="7674705"/>
-            <a:ext cx="1932094" cy="440854"/>
+            <a:off x="540068" y="7674705"/>
+            <a:ext cx="2520316" cy="440854"/>
           </a:xfrm>
           <a:prstGeom prst="rect">
             <a:avLst/>
@@ -2720,7 +2720,7 @@
           <a:p>
             <a:fld id="{55E195D8-5BD3-41F4-8BBE-6CE1450937EA}" type="datetimeFigureOut">
               <a:rPr lang="en-GB" smtClean="0"/>
-              <a:t>04/06/2014</a:t>
+              <a:t>30/06/2014</a:t>
             </a:fld>
             <a:endParaRPr lang="en-GB"/>
           </a:p>
@@ -2738,8 +2738,8 @@
         </p:nvSpPr>
         <p:spPr>
           <a:xfrm>
-            <a:off x="2829137" y="7674705"/>
-            <a:ext cx="2622126" cy="440854"/>
+            <a:off x="3690462" y="7674705"/>
+            <a:ext cx="3420427" cy="440854"/>
           </a:xfrm>
           <a:prstGeom prst="rect">
             <a:avLst/>
@@ -2775,8 +2775,8 @@
         </p:nvSpPr>
         <p:spPr>
           <a:xfrm>
-            <a:off x="5934287" y="7674705"/>
-            <a:ext cx="1932094" cy="440854"/>
+            <a:off x="7740969" y="7674705"/>
+            <a:ext cx="2520316" cy="440854"/>
           </a:xfrm>
           <a:prstGeom prst="rect">
             <a:avLst/>
@@ -3097,7 +3097,7 @@
       </p:grpSpPr>
       <p:pic>
         <p:nvPicPr>
-          <p:cNvPr id="17" name="Picture 2" descr="C:\Users\Wendy\Documents\wwn20\Thesis\Chapter7\Figures\Fig5\CHPI_planTi_TM.png"/>
+          <p:cNvPr id="40" name="Picture 2" descr="C:\Users\Wendy\Documents\wwn20\Thesis\Chapter7\Figures\Fig5\CHPI_planTi_TM.png"/>
           <p:cNvPicPr>
             <a:picLocks noChangeAspect="1" noChangeArrowheads="1"/>
           </p:cNvPicPr>
@@ -3136,7 +3136,7 @@
       </p:pic>
       <p:pic>
         <p:nvPicPr>
-          <p:cNvPr id="18" name="Picture 3" descr="C:\Users\Wendy\Documents\wwn20\Thesis\Chapter7\Figures\Fig5\CHPI_planTi_TE.png"/>
+          <p:cNvPr id="41" name="Picture 3" descr="C:\Users\Wendy\Documents\wwn20\Thesis\Chapter7\Figures\Fig5\CHPI_planTi_TE.png"/>
           <p:cNvPicPr>
             <a:picLocks noChangeAspect="1" noChangeArrowheads="1"/>
           </p:cNvPicPr>
@@ -3175,7 +3175,7 @@
       </p:pic>
       <p:pic>
         <p:nvPicPr>
-          <p:cNvPr id="19" name="Picture 4" descr="C:\Users\Wendy\Documents\wwn20\Thesis\Chapter7\Figures\Fig5\Spec_TM.png"/>
+          <p:cNvPr id="42" name="Picture 4" descr="C:\Users\Wendy\Documents\wwn20\Thesis\Chapter7\Figures\Fig5\Spec_TM.png"/>
           <p:cNvPicPr>
             <a:picLocks noChangeAspect="1" noChangeArrowheads="1"/>
           </p:cNvPicPr>
@@ -3196,8 +3196,8 @@
         </p:blipFill>
         <p:spPr bwMode="auto">
           <a:xfrm>
-            <a:off x="4326830" y="526628"/>
-            <a:ext cx="4133850" cy="2990850"/>
+            <a:off x="4229124" y="186053"/>
+            <a:ext cx="5075313" cy="3672000"/>
           </a:xfrm>
           <a:prstGeom prst="rect">
             <a:avLst/>
@@ -3216,7 +3216,7 @@
       </p:pic>
       <p:pic>
         <p:nvPicPr>
-          <p:cNvPr id="20" name="Picture 6" descr="C:\Users\Wendy\Documents\wwn20\Thesis\Chapter7\Figures\Fig5\Spec_TE.png"/>
+          <p:cNvPr id="43" name="Picture 6" descr="C:\Users\Wendy\Documents\wwn20\Thesis\Chapter7\Figures\Fig5\Spec_TE.png"/>
           <p:cNvPicPr>
             <a:picLocks noChangeAspect="1" noChangeArrowheads="1"/>
           </p:cNvPicPr>
@@ -3237,8 +3237,8 @@
         </p:blipFill>
         <p:spPr bwMode="auto">
           <a:xfrm>
-            <a:off x="4326830" y="4727549"/>
-            <a:ext cx="4133850" cy="2990850"/>
+            <a:off x="4229125" y="4386974"/>
+            <a:ext cx="5075312" cy="3672000"/>
           </a:xfrm>
           <a:prstGeom prst="rect">
             <a:avLst/>
@@ -3257,7 +3257,7 @@
       </p:pic>
       <p:sp>
         <p:nvSpPr>
-          <p:cNvPr id="4" name="TextBox 3"/>
+          <p:cNvPr id="44" name="TextBox 43"/>
           <p:cNvSpPr txBox="1"/>
           <p:nvPr/>
         </p:nvSpPr>
@@ -3287,7 +3287,7 @@
       </p:sp>
       <p:sp>
         <p:nvSpPr>
-          <p:cNvPr id="22" name="TextBox 21"/>
+          <p:cNvPr id="45" name="TextBox 44"/>
           <p:cNvSpPr txBox="1"/>
           <p:nvPr/>
         </p:nvSpPr>
@@ -3317,7 +3317,7 @@
       </p:sp>
       <p:cxnSp>
         <p:nvCxnSpPr>
-          <p:cNvPr id="6" name="Straight Connector 5"/>
+          <p:cNvPr id="46" name="Straight Connector 45"/>
           <p:cNvCxnSpPr/>
           <p:nvPr/>
         </p:nvCxnSpPr>
@@ -3353,7 +3353,7 @@
       </p:cxnSp>
       <p:cxnSp>
         <p:nvCxnSpPr>
-          <p:cNvPr id="25" name="Straight Connector 24"/>
+          <p:cNvPr id="47" name="Straight Connector 46"/>
           <p:cNvCxnSpPr/>
           <p:nvPr/>
         </p:nvCxnSpPr>
@@ -3389,7 +3389,7 @@
       </p:cxnSp>
       <p:sp>
         <p:nvSpPr>
-          <p:cNvPr id="7" name="TextBox 6"/>
+          <p:cNvPr id="48" name="TextBox 47"/>
           <p:cNvSpPr txBox="1"/>
           <p:nvPr/>
         </p:nvSpPr>
@@ -3419,7 +3419,7 @@
       </p:sp>
       <p:sp>
         <p:nvSpPr>
-          <p:cNvPr id="27" name="TextBox 26"/>
+          <p:cNvPr id="49" name="TextBox 48"/>
           <p:cNvSpPr txBox="1"/>
           <p:nvPr/>
         </p:nvSpPr>
@@ -3449,7 +3449,7 @@
       </p:sp>
       <p:pic>
         <p:nvPicPr>
-          <p:cNvPr id="1032" name="Picture 8" descr="C:\Users\Wendy\Documents\wwn20\Thesis\Chapter7\Figures\Fig5\Scale.png"/>
+          <p:cNvPr id="50" name="Picture 8" descr="C:\Users\Wendy\Documents\wwn20\Thesis\Chapter7\Figures\Fig5\Scale.png"/>
           <p:cNvPicPr>
             <a:picLocks noChangeAspect="1" noChangeArrowheads="1"/>
           </p:cNvPicPr>
@@ -3463,13 +3463,13 @@
               </a:ext>
             </a:extLst>
           </a:blip>
-          <a:srcRect l="37644" r="17762" b="82995"/>
+          <a:srcRect l="39259" t="2310" r="17762" b="82995"/>
           <a:stretch/>
         </p:blipFill>
         <p:spPr bwMode="auto">
           <a:xfrm>
-            <a:off x="4247230" y="3780240"/>
-            <a:ext cx="1951300" cy="720000"/>
+            <a:off x="3708152" y="3683735"/>
+            <a:ext cx="1958687" cy="648000"/>
           </a:xfrm>
           <a:prstGeom prst="rect">
             <a:avLst/>
@@ -3488,7 +3488,7 @@
       </p:pic>
       <p:cxnSp>
         <p:nvCxnSpPr>
-          <p:cNvPr id="15" name="Straight Arrow Connector 14"/>
+          <p:cNvPr id="51" name="Straight Arrow Connector 50"/>
           <p:cNvCxnSpPr/>
           <p:nvPr/>
         </p:nvCxnSpPr>
@@ -3524,7 +3524,7 @@
       </p:cxnSp>
       <p:cxnSp>
         <p:nvCxnSpPr>
-          <p:cNvPr id="16" name="Straight Arrow Connector 15"/>
+          <p:cNvPr id="52" name="Straight Arrow Connector 51"/>
           <p:cNvCxnSpPr/>
           <p:nvPr/>
         </p:nvCxnSpPr>
@@ -3558,6 +3558,177 @@
           </a:fontRef>
         </p:style>
       </p:cxnSp>
+      <p:grpSp>
+        <p:nvGrpSpPr>
+          <p:cNvPr id="53" name="Group 52"/>
+          <p:cNvGrpSpPr>
+            <a:grpSpLocks noChangeAspect="1"/>
+          </p:cNvGrpSpPr>
+          <p:nvPr/>
+        </p:nvGrpSpPr>
+        <p:grpSpPr>
+          <a:xfrm>
+            <a:off x="8930480" y="191744"/>
+            <a:ext cx="1785987" cy="1113985"/>
+            <a:chOff x="9304437" y="1419302"/>
+            <a:chExt cx="1822435" cy="1136722"/>
+          </a:xfrm>
+        </p:grpSpPr>
+        <p:sp>
+          <p:nvSpPr>
+            <p:cNvPr id="54" name="Rectangle 53"/>
+            <p:cNvSpPr/>
+            <p:nvPr/>
+          </p:nvSpPr>
+          <p:spPr>
+            <a:xfrm>
+              <a:off x="9304437" y="1426986"/>
+              <a:ext cx="1584176" cy="445354"/>
+            </a:xfrm>
+            <a:prstGeom prst="rect">
+              <a:avLst/>
+            </a:prstGeom>
+            <a:solidFill>
+              <a:srgbClr val="7BB7ED"/>
+            </a:solidFill>
+            <a:ln>
+              <a:noFill/>
+            </a:ln>
+          </p:spPr>
+          <p:style>
+            <a:lnRef idx="2">
+              <a:schemeClr val="accent1">
+                <a:shade val="50000"/>
+              </a:schemeClr>
+            </a:lnRef>
+            <a:fillRef idx="1">
+              <a:schemeClr val="accent1"/>
+            </a:fillRef>
+            <a:effectRef idx="0">
+              <a:schemeClr val="accent1"/>
+            </a:effectRef>
+            <a:fontRef idx="minor">
+              <a:schemeClr val="lt1"/>
+            </a:fontRef>
+          </p:style>
+          <p:txBody>
+            <a:bodyPr rtlCol="0" anchor="ctr"/>
+            <a:lstStyle/>
+            <a:p>
+              <a:pPr algn="ctr"/>
+              <a:endParaRPr lang="en-GB"/>
+            </a:p>
+          </p:txBody>
+        </p:sp>
+        <p:sp>
+          <p:nvSpPr>
+            <p:cNvPr id="55" name="Rectangle 54"/>
+            <p:cNvSpPr/>
+            <p:nvPr/>
+          </p:nvSpPr>
+          <p:spPr>
+            <a:xfrm>
+              <a:off x="9304437" y="1872340"/>
+              <a:ext cx="1584176" cy="683684"/>
+            </a:xfrm>
+            <a:prstGeom prst="rect">
+              <a:avLst/>
+            </a:prstGeom>
+            <a:solidFill>
+              <a:schemeClr val="bg2">
+                <a:lumMod val="75000"/>
+              </a:schemeClr>
+            </a:solidFill>
+            <a:ln>
+              <a:noFill/>
+            </a:ln>
+          </p:spPr>
+          <p:style>
+            <a:lnRef idx="2">
+              <a:schemeClr val="accent1">
+                <a:shade val="50000"/>
+              </a:schemeClr>
+            </a:lnRef>
+            <a:fillRef idx="1">
+              <a:schemeClr val="accent1"/>
+            </a:fillRef>
+            <a:effectRef idx="0">
+              <a:schemeClr val="accent1"/>
+            </a:effectRef>
+            <a:fontRef idx="minor">
+              <a:schemeClr val="lt1"/>
+            </a:fontRef>
+          </p:style>
+          <p:txBody>
+            <a:bodyPr rtlCol="0" anchor="ctr"/>
+            <a:lstStyle/>
+            <a:p>
+              <a:pPr algn="ctr"/>
+              <a:endParaRPr lang="en-GB"/>
+            </a:p>
+          </p:txBody>
+        </p:sp>
+        <p:sp>
+          <p:nvSpPr>
+            <p:cNvPr id="56" name="TextBox 55"/>
+            <p:cNvSpPr txBox="1"/>
+            <p:nvPr/>
+          </p:nvSpPr>
+          <p:spPr>
+            <a:xfrm>
+              <a:off x="9326873" y="1419302"/>
+              <a:ext cx="1799999" cy="538609"/>
+            </a:xfrm>
+            <a:prstGeom prst="rect">
+              <a:avLst/>
+            </a:prstGeom>
+            <a:noFill/>
+          </p:spPr>
+          <p:txBody>
+            <a:bodyPr wrap="square" rtlCol="0">
+              <a:spAutoFit/>
+            </a:bodyPr>
+            <a:lstStyle/>
+            <a:p>
+              <a:r>
+                <a:rPr lang="en-GB" sz="2200" dirty="0" smtClean="0"/>
+                <a:t>70nm CHPI</a:t>
+              </a:r>
+              <a:endParaRPr lang="en-GB" sz="2200" dirty="0"/>
+            </a:p>
+          </p:txBody>
+        </p:sp>
+        <p:sp>
+          <p:nvSpPr>
+            <p:cNvPr id="57" name="TextBox 56"/>
+            <p:cNvSpPr txBox="1"/>
+            <p:nvPr/>
+          </p:nvSpPr>
+          <p:spPr>
+            <a:xfrm>
+              <a:off x="9410546" y="1983711"/>
+              <a:ext cx="1450491" cy="501031"/>
+            </a:xfrm>
+            <a:prstGeom prst="rect">
+              <a:avLst/>
+            </a:prstGeom>
+            <a:noFill/>
+          </p:spPr>
+          <p:txBody>
+            <a:bodyPr wrap="square" rtlCol="0">
+              <a:spAutoFit/>
+            </a:bodyPr>
+            <a:lstStyle/>
+            <a:p>
+              <a:r>
+                <a:rPr lang="en-GB" sz="2200" dirty="0" smtClean="0"/>
+                <a:t>120nm Ti</a:t>
+              </a:r>
+              <a:endParaRPr lang="en-GB" sz="2200" dirty="0"/>
+            </a:p>
+          </p:txBody>
+        </p:sp>
+      </p:grpSp>
     </p:spTree>
     <p:extLst>
       <p:ext uri="{BB962C8B-B14F-4D97-AF65-F5344CB8AC3E}">

--- a/Chapter7/Figures/Fig5.pptx
+++ b/Chapter7/Figures/Fig5.pptx
@@ -7,7 +7,7 @@
   <p:sldIdLst>
     <p:sldId id="256" r:id="rId2"/>
   </p:sldIdLst>
-  <p:sldSz cx="10801350" cy="8280400"/>
+  <p:sldSz cx="9001125" cy="8280400"/>
   <p:notesSz cx="6858000" cy="9144000"/>
   <p:defaultTextStyle>
     <a:defPPr>
@@ -136,8 +136,8 @@
         </p:nvSpPr>
         <p:spPr>
           <a:xfrm>
-            <a:off x="810104" y="2572295"/>
-            <a:ext cx="9181146" cy="1774919"/>
+            <a:off x="675087" y="2572298"/>
+            <a:ext cx="7650955" cy="1774919"/>
           </a:xfrm>
         </p:spPr>
         <p:txBody>
@@ -164,8 +164,8 @@
         </p:nvSpPr>
         <p:spPr>
           <a:xfrm>
-            <a:off x="1620203" y="4692227"/>
-            <a:ext cx="7560947" cy="2116102"/>
+            <a:off x="1350170" y="4692227"/>
+            <a:ext cx="6300790" cy="2116102"/>
           </a:xfrm>
         </p:spPr>
         <p:txBody>
@@ -288,7 +288,7 @@
           <a:p>
             <a:fld id="{55E195D8-5BD3-41F4-8BBE-6CE1450937EA}" type="datetimeFigureOut">
               <a:rPr lang="en-GB" smtClean="0"/>
-              <a:t>30/06/2014</a:t>
+              <a:t>10/09/2014</a:t>
             </a:fld>
             <a:endParaRPr lang="en-GB"/>
           </a:p>
@@ -458,7 +458,7 @@
           <a:p>
             <a:fld id="{55E195D8-5BD3-41F4-8BBE-6CE1450937EA}" type="datetimeFigureOut">
               <a:rPr lang="en-GB" smtClean="0"/>
-              <a:t>30/06/2014</a:t>
+              <a:t>10/09/2014</a:t>
             </a:fld>
             <a:endParaRPr lang="en-GB"/>
           </a:p>
@@ -548,8 +548,8 @@
         </p:nvSpPr>
         <p:spPr>
           <a:xfrm>
-            <a:off x="7830981" y="331601"/>
-            <a:ext cx="2430304" cy="7065174"/>
+            <a:off x="6525818" y="331601"/>
+            <a:ext cx="2025253" cy="7065174"/>
           </a:xfrm>
         </p:spPr>
         <p:txBody>
@@ -576,8 +576,8 @@
         </p:nvSpPr>
         <p:spPr>
           <a:xfrm>
-            <a:off x="540068" y="331601"/>
-            <a:ext cx="7110889" cy="7065174"/>
+            <a:off x="450058" y="331601"/>
+            <a:ext cx="5925740" cy="7065174"/>
           </a:xfrm>
         </p:spPr>
         <p:txBody>
@@ -638,7 +638,7 @@
           <a:p>
             <a:fld id="{55E195D8-5BD3-41F4-8BBE-6CE1450937EA}" type="datetimeFigureOut">
               <a:rPr lang="en-GB" smtClean="0"/>
-              <a:t>30/06/2014</a:t>
+              <a:t>10/09/2014</a:t>
             </a:fld>
             <a:endParaRPr lang="en-GB"/>
           </a:p>
@@ -808,7 +808,7 @@
           <a:p>
             <a:fld id="{55E195D8-5BD3-41F4-8BBE-6CE1450937EA}" type="datetimeFigureOut">
               <a:rPr lang="en-GB" smtClean="0"/>
-              <a:t>30/06/2014</a:t>
+              <a:t>10/09/2014</a:t>
             </a:fld>
             <a:endParaRPr lang="en-GB"/>
           </a:p>
@@ -898,8 +898,8 @@
         </p:nvSpPr>
         <p:spPr>
           <a:xfrm>
-            <a:off x="853234" y="5320925"/>
-            <a:ext cx="9181146" cy="1644580"/>
+            <a:off x="711029" y="5320925"/>
+            <a:ext cx="7650955" cy="1644580"/>
           </a:xfrm>
         </p:spPr>
         <p:txBody>
@@ -930,8 +930,8 @@
         </p:nvSpPr>
         <p:spPr>
           <a:xfrm>
-            <a:off x="853234" y="3509591"/>
-            <a:ext cx="9181146" cy="1811337"/>
+            <a:off x="711029" y="3509594"/>
+            <a:ext cx="7650955" cy="1811337"/>
           </a:xfrm>
         </p:spPr>
         <p:txBody>
@@ -1054,7 +1054,7 @@
           <a:p>
             <a:fld id="{55E195D8-5BD3-41F4-8BBE-6CE1450937EA}" type="datetimeFigureOut">
               <a:rPr lang="en-GB" smtClean="0"/>
-              <a:t>30/06/2014</a:t>
+              <a:t>10/09/2014</a:t>
             </a:fld>
             <a:endParaRPr lang="en-GB"/>
           </a:p>
@@ -1167,8 +1167,8 @@
         </p:nvSpPr>
         <p:spPr>
           <a:xfrm>
-            <a:off x="540069" y="1932097"/>
-            <a:ext cx="4770596" cy="5464681"/>
+            <a:off x="450059" y="1932100"/>
+            <a:ext cx="3975497" cy="5464681"/>
           </a:xfrm>
         </p:spPr>
         <p:txBody>
@@ -1252,8 +1252,8 @@
         </p:nvSpPr>
         <p:spPr>
           <a:xfrm>
-            <a:off x="5490690" y="1932097"/>
-            <a:ext cx="4770596" cy="5464681"/>
+            <a:off x="4575577" y="1932100"/>
+            <a:ext cx="3975497" cy="5464681"/>
           </a:xfrm>
         </p:spPr>
         <p:txBody>
@@ -1342,7 +1342,7 @@
           <a:p>
             <a:fld id="{55E195D8-5BD3-41F4-8BBE-6CE1450937EA}" type="datetimeFigureOut">
               <a:rPr lang="en-GB" smtClean="0"/>
-              <a:t>30/06/2014</a:t>
+              <a:t>10/09/2014</a:t>
             </a:fld>
             <a:endParaRPr lang="en-GB"/>
           </a:p>
@@ -1459,8 +1459,8 @@
         </p:nvSpPr>
         <p:spPr>
           <a:xfrm>
-            <a:off x="540068" y="1853510"/>
-            <a:ext cx="4772472" cy="772453"/>
+            <a:off x="450057" y="1853513"/>
+            <a:ext cx="3977059" cy="772453"/>
           </a:xfrm>
         </p:spPr>
         <p:txBody>
@@ -1524,8 +1524,8 @@
         </p:nvSpPr>
         <p:spPr>
           <a:xfrm>
-            <a:off x="540068" y="2625963"/>
-            <a:ext cx="4772472" cy="4770815"/>
+            <a:off x="450057" y="2625966"/>
+            <a:ext cx="3977059" cy="4770815"/>
           </a:xfrm>
         </p:spPr>
         <p:txBody>
@@ -1609,8 +1609,8 @@
         </p:nvSpPr>
         <p:spPr>
           <a:xfrm>
-            <a:off x="5486938" y="1853510"/>
-            <a:ext cx="4774346" cy="772453"/>
+            <a:off x="4572449" y="1853513"/>
+            <a:ext cx="3978621" cy="772453"/>
           </a:xfrm>
         </p:spPr>
         <p:txBody>
@@ -1674,8 +1674,8 @@
         </p:nvSpPr>
         <p:spPr>
           <a:xfrm>
-            <a:off x="5486938" y="2625963"/>
-            <a:ext cx="4774346" cy="4770815"/>
+            <a:off x="4572449" y="2625966"/>
+            <a:ext cx="3978621" cy="4770815"/>
           </a:xfrm>
         </p:spPr>
         <p:txBody>
@@ -1764,7 +1764,7 @@
           <a:p>
             <a:fld id="{55E195D8-5BD3-41F4-8BBE-6CE1450937EA}" type="datetimeFigureOut">
               <a:rPr lang="en-GB" smtClean="0"/>
-              <a:t>30/06/2014</a:t>
+              <a:t>10/09/2014</a:t>
             </a:fld>
             <a:endParaRPr lang="en-GB"/>
           </a:p>
@@ -1882,7 +1882,7 @@
           <a:p>
             <a:fld id="{55E195D8-5BD3-41F4-8BBE-6CE1450937EA}" type="datetimeFigureOut">
               <a:rPr lang="en-GB" smtClean="0"/>
-              <a:t>30/06/2014</a:t>
+              <a:t>10/09/2014</a:t>
             </a:fld>
             <a:endParaRPr lang="en-GB"/>
           </a:p>
@@ -1977,7 +1977,7 @@
           <a:p>
             <a:fld id="{55E195D8-5BD3-41F4-8BBE-6CE1450937EA}" type="datetimeFigureOut">
               <a:rPr lang="en-GB" smtClean="0"/>
-              <a:t>30/06/2014</a:t>
+              <a:t>10/09/2014</a:t>
             </a:fld>
             <a:endParaRPr lang="en-GB"/>
           </a:p>
@@ -2067,8 +2067,8 @@
         </p:nvSpPr>
         <p:spPr>
           <a:xfrm>
-            <a:off x="540068" y="329686"/>
-            <a:ext cx="3553570" cy="1403067"/>
+            <a:off x="450057" y="329689"/>
+            <a:ext cx="2961309" cy="1403067"/>
           </a:xfrm>
         </p:spPr>
         <p:txBody>
@@ -2099,8 +2099,8 @@
         </p:nvSpPr>
         <p:spPr>
           <a:xfrm>
-            <a:off x="4223031" y="329684"/>
-            <a:ext cx="6038255" cy="7067092"/>
+            <a:off x="3519194" y="329684"/>
+            <a:ext cx="5031878" cy="7067092"/>
           </a:xfrm>
         </p:spPr>
         <p:txBody>
@@ -2184,8 +2184,8 @@
         </p:nvSpPr>
         <p:spPr>
           <a:xfrm>
-            <a:off x="540068" y="1732751"/>
-            <a:ext cx="3553570" cy="5664024"/>
+            <a:off x="450057" y="1732751"/>
+            <a:ext cx="2961309" cy="5664024"/>
           </a:xfrm>
         </p:spPr>
         <p:txBody>
@@ -2254,7 +2254,7 @@
           <a:p>
             <a:fld id="{55E195D8-5BD3-41F4-8BBE-6CE1450937EA}" type="datetimeFigureOut">
               <a:rPr lang="en-GB" smtClean="0"/>
-              <a:t>30/06/2014</a:t>
+              <a:t>10/09/2014</a:t>
             </a:fld>
             <a:endParaRPr lang="en-GB"/>
           </a:p>
@@ -2344,8 +2344,8 @@
         </p:nvSpPr>
         <p:spPr>
           <a:xfrm>
-            <a:off x="2117141" y="5796280"/>
-            <a:ext cx="6480810" cy="684284"/>
+            <a:off x="1764284" y="5796280"/>
+            <a:ext cx="5400675" cy="684284"/>
           </a:xfrm>
         </p:spPr>
         <p:txBody>
@@ -2376,8 +2376,8 @@
         </p:nvSpPr>
         <p:spPr>
           <a:xfrm>
-            <a:off x="2117141" y="739870"/>
-            <a:ext cx="6480810" cy="4968240"/>
+            <a:off x="1764284" y="739870"/>
+            <a:ext cx="5400675" cy="4968240"/>
           </a:xfrm>
         </p:spPr>
         <p:txBody>
@@ -2437,8 +2437,8 @@
         </p:nvSpPr>
         <p:spPr>
           <a:xfrm>
-            <a:off x="2117141" y="6480563"/>
-            <a:ext cx="6480810" cy="971796"/>
+            <a:off x="1764284" y="6480563"/>
+            <a:ext cx="5400675" cy="971796"/>
           </a:xfrm>
         </p:spPr>
         <p:txBody>
@@ -2507,7 +2507,7 @@
           <a:p>
             <a:fld id="{55E195D8-5BD3-41F4-8BBE-6CE1450937EA}" type="datetimeFigureOut">
               <a:rPr lang="en-GB" smtClean="0"/>
-              <a:t>30/06/2014</a:t>
+              <a:t>10/09/2014</a:t>
             </a:fld>
             <a:endParaRPr lang="en-GB"/>
           </a:p>
@@ -2602,8 +2602,8 @@
         </p:nvSpPr>
         <p:spPr>
           <a:xfrm>
-            <a:off x="540068" y="331603"/>
-            <a:ext cx="9721216" cy="1380067"/>
+            <a:off x="450057" y="331606"/>
+            <a:ext cx="8101014" cy="1380067"/>
           </a:xfrm>
           <a:prstGeom prst="rect">
             <a:avLst/>
@@ -2635,8 +2635,8 @@
         </p:nvSpPr>
         <p:spPr>
           <a:xfrm>
-            <a:off x="540068" y="1932097"/>
-            <a:ext cx="9721216" cy="5464681"/>
+            <a:off x="450057" y="1932100"/>
+            <a:ext cx="8101014" cy="5464681"/>
           </a:xfrm>
           <a:prstGeom prst="rect">
             <a:avLst/>
@@ -2697,8 +2697,8 @@
         </p:nvSpPr>
         <p:spPr>
           <a:xfrm>
-            <a:off x="540068" y="7674705"/>
-            <a:ext cx="2520316" cy="440854"/>
+            <a:off x="450057" y="7674705"/>
+            <a:ext cx="2100263" cy="440854"/>
           </a:xfrm>
           <a:prstGeom prst="rect">
             <a:avLst/>
@@ -2720,7 +2720,7 @@
           <a:p>
             <a:fld id="{55E195D8-5BD3-41F4-8BBE-6CE1450937EA}" type="datetimeFigureOut">
               <a:rPr lang="en-GB" smtClean="0"/>
-              <a:t>30/06/2014</a:t>
+              <a:t>10/09/2014</a:t>
             </a:fld>
             <a:endParaRPr lang="en-GB"/>
           </a:p>
@@ -2738,8 +2738,8 @@
         </p:nvSpPr>
         <p:spPr>
           <a:xfrm>
-            <a:off x="3690462" y="7674705"/>
-            <a:ext cx="3420427" cy="440854"/>
+            <a:off x="3075386" y="7674705"/>
+            <a:ext cx="2850356" cy="440854"/>
           </a:xfrm>
           <a:prstGeom prst="rect">
             <a:avLst/>
@@ -2775,8 +2775,8 @@
         </p:nvSpPr>
         <p:spPr>
           <a:xfrm>
-            <a:off x="7740969" y="7674705"/>
-            <a:ext cx="2520316" cy="440854"/>
+            <a:off x="6450808" y="7674705"/>
+            <a:ext cx="2100263" cy="440854"/>
           </a:xfrm>
           <a:prstGeom prst="rect">
             <a:avLst/>
@@ -3097,7 +3097,7 @@
       </p:grpSpPr>
       <p:pic>
         <p:nvPicPr>
-          <p:cNvPr id="40" name="Picture 2" descr="C:\Users\Wendy\Documents\wwn20\Thesis\Chapter7\Figures\Fig5\CHPI_planTi_TM.png"/>
+          <p:cNvPr id="64" name="Picture 2" descr="C:\Users\Wendy\Documents\wwn20\Thesis\Chapter7\Figures\Fig5\CHPI_planTi_TM.png"/>
           <p:cNvPicPr>
             <a:picLocks noChangeAspect="1" noChangeArrowheads="1"/>
           </p:cNvPicPr>
@@ -3136,7 +3136,7 @@
       </p:pic>
       <p:pic>
         <p:nvPicPr>
-          <p:cNvPr id="41" name="Picture 3" descr="C:\Users\Wendy\Documents\wwn20\Thesis\Chapter7\Figures\Fig5\CHPI_planTi_TE.png"/>
+          <p:cNvPr id="65" name="Picture 3" descr="C:\Users\Wendy\Documents\wwn20\Thesis\Chapter7\Figures\Fig5\CHPI_planTi_TE.png"/>
           <p:cNvPicPr>
             <a:picLocks noChangeAspect="1" noChangeArrowheads="1"/>
           </p:cNvPicPr>
@@ -3175,7 +3175,7 @@
       </p:pic>
       <p:pic>
         <p:nvPicPr>
-          <p:cNvPr id="42" name="Picture 4" descr="C:\Users\Wendy\Documents\wwn20\Thesis\Chapter7\Figures\Fig5\Spec_TM.png"/>
+          <p:cNvPr id="66" name="Picture 4" descr="C:\Users\Wendy\Documents\wwn20\Thesis\Chapter7\Figures\Fig5\Spec_TM.png"/>
           <p:cNvPicPr>
             <a:picLocks noChangeAspect="1" noChangeArrowheads="1"/>
           </p:cNvPicPr>
@@ -3216,7 +3216,7 @@
       </p:pic>
       <p:pic>
         <p:nvPicPr>
-          <p:cNvPr id="43" name="Picture 6" descr="C:\Users\Wendy\Documents\wwn20\Thesis\Chapter7\Figures\Fig5\Spec_TE.png"/>
+          <p:cNvPr id="67" name="Picture 6" descr="C:\Users\Wendy\Documents\wwn20\Thesis\Chapter7\Figures\Fig5\Spec_TE.png"/>
           <p:cNvPicPr>
             <a:picLocks noChangeAspect="1" noChangeArrowheads="1"/>
           </p:cNvPicPr>
@@ -3257,7 +3257,7 @@
       </p:pic>
       <p:sp>
         <p:nvSpPr>
-          <p:cNvPr id="44" name="TextBox 43"/>
+          <p:cNvPr id="68" name="TextBox 67"/>
           <p:cNvSpPr txBox="1"/>
           <p:nvPr/>
         </p:nvSpPr>
@@ -3287,7 +3287,7 @@
       </p:sp>
       <p:sp>
         <p:nvSpPr>
-          <p:cNvPr id="45" name="TextBox 44"/>
+          <p:cNvPr id="69" name="TextBox 68"/>
           <p:cNvSpPr txBox="1"/>
           <p:nvPr/>
         </p:nvSpPr>
@@ -3317,7 +3317,7 @@
       </p:sp>
       <p:cxnSp>
         <p:nvCxnSpPr>
-          <p:cNvPr id="46" name="Straight Connector 45"/>
+          <p:cNvPr id="70" name="Straight Connector 69"/>
           <p:cNvCxnSpPr/>
           <p:nvPr/>
         </p:nvCxnSpPr>
@@ -3353,7 +3353,7 @@
       </p:cxnSp>
       <p:cxnSp>
         <p:nvCxnSpPr>
-          <p:cNvPr id="47" name="Straight Connector 46"/>
+          <p:cNvPr id="71" name="Straight Connector 70"/>
           <p:cNvCxnSpPr/>
           <p:nvPr/>
         </p:nvCxnSpPr>
@@ -3389,7 +3389,7 @@
       </p:cxnSp>
       <p:sp>
         <p:nvSpPr>
-          <p:cNvPr id="48" name="TextBox 47"/>
+          <p:cNvPr id="72" name="TextBox 71"/>
           <p:cNvSpPr txBox="1"/>
           <p:nvPr/>
         </p:nvSpPr>
@@ -3419,7 +3419,7 @@
       </p:sp>
       <p:sp>
         <p:nvSpPr>
-          <p:cNvPr id="49" name="TextBox 48"/>
+          <p:cNvPr id="73" name="TextBox 72"/>
           <p:cNvSpPr txBox="1"/>
           <p:nvPr/>
         </p:nvSpPr>
@@ -3449,7 +3449,7 @@
       </p:sp>
       <p:pic>
         <p:nvPicPr>
-          <p:cNvPr id="50" name="Picture 8" descr="C:\Users\Wendy\Documents\wwn20\Thesis\Chapter7\Figures\Fig5\Scale.png"/>
+          <p:cNvPr id="74" name="Picture 8" descr="C:\Users\Wendy\Documents\wwn20\Thesis\Chapter7\Figures\Fig5\Scale.png"/>
           <p:cNvPicPr>
             <a:picLocks noChangeAspect="1" noChangeArrowheads="1"/>
           </p:cNvPicPr>
@@ -3488,7 +3488,7 @@
       </p:pic>
       <p:cxnSp>
         <p:nvCxnSpPr>
-          <p:cNvPr id="51" name="Straight Arrow Connector 50"/>
+          <p:cNvPr id="75" name="Straight Arrow Connector 74"/>
           <p:cNvCxnSpPr/>
           <p:nvPr/>
         </p:nvCxnSpPr>
@@ -3524,7 +3524,7 @@
       </p:cxnSp>
       <p:cxnSp>
         <p:nvCxnSpPr>
-          <p:cNvPr id="52" name="Straight Arrow Connector 51"/>
+          <p:cNvPr id="76" name="Straight Arrow Connector 75"/>
           <p:cNvCxnSpPr/>
           <p:nvPr/>
         </p:nvCxnSpPr>
@@ -3558,177 +3558,6 @@
           </a:fontRef>
         </p:style>
       </p:cxnSp>
-      <p:grpSp>
-        <p:nvGrpSpPr>
-          <p:cNvPr id="53" name="Group 52"/>
-          <p:cNvGrpSpPr>
-            <a:grpSpLocks noChangeAspect="1"/>
-          </p:cNvGrpSpPr>
-          <p:nvPr/>
-        </p:nvGrpSpPr>
-        <p:grpSpPr>
-          <a:xfrm>
-            <a:off x="8930480" y="191744"/>
-            <a:ext cx="1785987" cy="1113985"/>
-            <a:chOff x="9304437" y="1419302"/>
-            <a:chExt cx="1822435" cy="1136722"/>
-          </a:xfrm>
-        </p:grpSpPr>
-        <p:sp>
-          <p:nvSpPr>
-            <p:cNvPr id="54" name="Rectangle 53"/>
-            <p:cNvSpPr/>
-            <p:nvPr/>
-          </p:nvSpPr>
-          <p:spPr>
-            <a:xfrm>
-              <a:off x="9304437" y="1426986"/>
-              <a:ext cx="1584176" cy="445354"/>
-            </a:xfrm>
-            <a:prstGeom prst="rect">
-              <a:avLst/>
-            </a:prstGeom>
-            <a:solidFill>
-              <a:srgbClr val="7BB7ED"/>
-            </a:solidFill>
-            <a:ln>
-              <a:noFill/>
-            </a:ln>
-          </p:spPr>
-          <p:style>
-            <a:lnRef idx="2">
-              <a:schemeClr val="accent1">
-                <a:shade val="50000"/>
-              </a:schemeClr>
-            </a:lnRef>
-            <a:fillRef idx="1">
-              <a:schemeClr val="accent1"/>
-            </a:fillRef>
-            <a:effectRef idx="0">
-              <a:schemeClr val="accent1"/>
-            </a:effectRef>
-            <a:fontRef idx="minor">
-              <a:schemeClr val="lt1"/>
-            </a:fontRef>
-          </p:style>
-          <p:txBody>
-            <a:bodyPr rtlCol="0" anchor="ctr"/>
-            <a:lstStyle/>
-            <a:p>
-              <a:pPr algn="ctr"/>
-              <a:endParaRPr lang="en-GB"/>
-            </a:p>
-          </p:txBody>
-        </p:sp>
-        <p:sp>
-          <p:nvSpPr>
-            <p:cNvPr id="55" name="Rectangle 54"/>
-            <p:cNvSpPr/>
-            <p:nvPr/>
-          </p:nvSpPr>
-          <p:spPr>
-            <a:xfrm>
-              <a:off x="9304437" y="1872340"/>
-              <a:ext cx="1584176" cy="683684"/>
-            </a:xfrm>
-            <a:prstGeom prst="rect">
-              <a:avLst/>
-            </a:prstGeom>
-            <a:solidFill>
-              <a:schemeClr val="bg2">
-                <a:lumMod val="75000"/>
-              </a:schemeClr>
-            </a:solidFill>
-            <a:ln>
-              <a:noFill/>
-            </a:ln>
-          </p:spPr>
-          <p:style>
-            <a:lnRef idx="2">
-              <a:schemeClr val="accent1">
-                <a:shade val="50000"/>
-              </a:schemeClr>
-            </a:lnRef>
-            <a:fillRef idx="1">
-              <a:schemeClr val="accent1"/>
-            </a:fillRef>
-            <a:effectRef idx="0">
-              <a:schemeClr val="accent1"/>
-            </a:effectRef>
-            <a:fontRef idx="minor">
-              <a:schemeClr val="lt1"/>
-            </a:fontRef>
-          </p:style>
-          <p:txBody>
-            <a:bodyPr rtlCol="0" anchor="ctr"/>
-            <a:lstStyle/>
-            <a:p>
-              <a:pPr algn="ctr"/>
-              <a:endParaRPr lang="en-GB"/>
-            </a:p>
-          </p:txBody>
-        </p:sp>
-        <p:sp>
-          <p:nvSpPr>
-            <p:cNvPr id="56" name="TextBox 55"/>
-            <p:cNvSpPr txBox="1"/>
-            <p:nvPr/>
-          </p:nvSpPr>
-          <p:spPr>
-            <a:xfrm>
-              <a:off x="9326873" y="1419302"/>
-              <a:ext cx="1799999" cy="538609"/>
-            </a:xfrm>
-            <a:prstGeom prst="rect">
-              <a:avLst/>
-            </a:prstGeom>
-            <a:noFill/>
-          </p:spPr>
-          <p:txBody>
-            <a:bodyPr wrap="square" rtlCol="0">
-              <a:spAutoFit/>
-            </a:bodyPr>
-            <a:lstStyle/>
-            <a:p>
-              <a:r>
-                <a:rPr lang="en-GB" sz="2200" dirty="0" smtClean="0"/>
-                <a:t>70nm CHPI</a:t>
-              </a:r>
-              <a:endParaRPr lang="en-GB" sz="2200" dirty="0"/>
-            </a:p>
-          </p:txBody>
-        </p:sp>
-        <p:sp>
-          <p:nvSpPr>
-            <p:cNvPr id="57" name="TextBox 56"/>
-            <p:cNvSpPr txBox="1"/>
-            <p:nvPr/>
-          </p:nvSpPr>
-          <p:spPr>
-            <a:xfrm>
-              <a:off x="9410546" y="1983711"/>
-              <a:ext cx="1450491" cy="501031"/>
-            </a:xfrm>
-            <a:prstGeom prst="rect">
-              <a:avLst/>
-            </a:prstGeom>
-            <a:noFill/>
-          </p:spPr>
-          <p:txBody>
-            <a:bodyPr wrap="square" rtlCol="0">
-              <a:spAutoFit/>
-            </a:bodyPr>
-            <a:lstStyle/>
-            <a:p>
-              <a:r>
-                <a:rPr lang="en-GB" sz="2200" dirty="0" smtClean="0"/>
-                <a:t>120nm Ti</a:t>
-              </a:r>
-              <a:endParaRPr lang="en-GB" sz="2200" dirty="0"/>
-            </a:p>
-          </p:txBody>
-        </p:sp>
-      </p:grpSp>
     </p:spTree>
     <p:extLst>
       <p:ext uri="{BB962C8B-B14F-4D97-AF65-F5344CB8AC3E}">
